--- a/hackathon_master.pptx
+++ b/hackathon_master.pptx
@@ -13,9 +13,10 @@
     <p:sldId id="261" r:id="rId7"/>
     <p:sldId id="266" r:id="rId8"/>
     <p:sldId id="267" r:id="rId9"/>
-    <p:sldId id="268" r:id="rId10"/>
-    <p:sldId id="263" r:id="rId11"/>
-    <p:sldId id="265" r:id="rId12"/>
+    <p:sldId id="269" r:id="rId10"/>
+    <p:sldId id="268" r:id="rId11"/>
+    <p:sldId id="263" r:id="rId12"/>
+    <p:sldId id="265" r:id="rId13"/>
   </p:sldIdLst>
   <p:sldSz cx="10080625" cy="5670550"/>
   <p:notesSz cx="7772400" cy="10058400"/>
@@ -3887,7 +3888,7 @@
     <mc:Choice Requires="p14">
       <p:transition spd="slow" p14:dur="2000"/>
     </mc:Choice>
-    <mc:Fallback xmlns:p15="http://schemas.microsoft.com/office/powerpoint/2012/main" xmlns="">
+    <mc:Fallback xmlns="" xmlns:p15="http://schemas.microsoft.com/office/powerpoint/2012/main">
       <p:transition spd="slow"/>
     </mc:Fallback>
   </mc:AlternateContent>
@@ -3913,7 +3914,7 @@
       </p:grpSpPr>
       <p:sp>
         <p:nvSpPr>
-          <p:cNvPr id="104" name="CustomShape 1"/>
+          <p:cNvPr id="100" name="CustomShape 1"/>
           <p:cNvSpPr/>
           <p:nvPr/>
         </p:nvSpPr>
@@ -3961,7 +3962,7 @@
                 <a:latin typeface="Cambria"/>
                 <a:ea typeface="Cambria"/>
               </a:rPr>
-              <a:t>Concluding Remarks</a:t>
+              <a:t>Main Challenges and Difficulties</a:t>
             </a:r>
             <a:endParaRPr lang="en" sz="4400" b="0" strike="noStrike" spc="-1">
               <a:latin typeface="Arial"/>
@@ -3971,7 +3972,7 @@
       </p:sp>
       <p:sp>
         <p:nvSpPr>
-          <p:cNvPr id="105" name="CustomShape 2"/>
+          <p:cNvPr id="101" name="CustomShape 2"/>
           <p:cNvSpPr/>
           <p:nvPr/>
         </p:nvSpPr>
@@ -4027,7 +4028,7 @@
                 <a:latin typeface="Candara"/>
                 <a:ea typeface="DejaVu Sans"/>
               </a:rPr>
-              <a:t>Is the project usable? </a:t>
+              <a:t>Parsing the log file turned out to be a hassle. Finally we found a pip-installable library that…</a:t>
             </a:r>
             <a:endParaRPr lang="en" sz="2800" b="0" strike="noStrike" spc="-1">
               <a:latin typeface="Arial"/>
@@ -4047,7 +4048,149 @@
             </a:endParaRPr>
           </a:p>
           <a:p>
-            <a:pPr marL="228600" indent="-226800">
+            <a:pPr>
+              <a:lnSpc>
+                <a:spcPct val="90000"/>
+              </a:lnSpc>
+              <a:spcBef>
+                <a:spcPts val="1001"/>
+              </a:spcBef>
+            </a:pPr>
+            <a:endParaRPr lang="en" sz="2800" b="0" strike="noStrike" spc="-1">
+              <a:latin typeface="Arial"/>
+            </a:endParaRPr>
+          </a:p>
+        </p:txBody>
+      </p:sp>
+    </p:spTree>
+  </p:cSld>
+  <p:clrMapOvr>
+    <a:masterClrMapping/>
+  </p:clrMapOvr>
+  <mc:AlternateContent xmlns:mc="http://schemas.openxmlformats.org/markup-compatibility/2006" xmlns:p14="http://schemas.microsoft.com/office/powerpoint/2010/main">
+    <mc:Choice Requires="p14">
+      <p:transition spd="slow" p14:dur="2000"/>
+    </mc:Choice>
+    <mc:Fallback xmlns="" xmlns:p15="http://schemas.microsoft.com/office/powerpoint/2012/main">
+      <p:transition spd="slow"/>
+    </mc:Fallback>
+  </mc:AlternateContent>
+</p:sld>
+</file>
+
+<file path=ppt/slides/slide11.xml><?xml version="1.0" encoding="utf-8"?>
+<p:sld xmlns:a="http://schemas.openxmlformats.org/drawingml/2006/main" xmlns:r="http://schemas.openxmlformats.org/officeDocument/2006/relationships" xmlns:p="http://schemas.openxmlformats.org/presentationml/2006/main">
+  <p:cSld>
+    <p:spTree>
+      <p:nvGrpSpPr>
+        <p:cNvPr id="1" name=""/>
+        <p:cNvGrpSpPr/>
+        <p:nvPr/>
+      </p:nvGrpSpPr>
+      <p:grpSpPr>
+        <a:xfrm>
+          <a:off x="0" y="0"/>
+          <a:ext cx="0" cy="0"/>
+          <a:chOff x="0" y="0"/>
+          <a:chExt cx="0" cy="0"/>
+        </a:xfrm>
+      </p:grpSpPr>
+      <p:sp>
+        <p:nvSpPr>
+          <p:cNvPr id="104" name="CustomShape 1"/>
+          <p:cNvSpPr/>
+          <p:nvPr/>
+        </p:nvSpPr>
+        <p:spPr>
+          <a:xfrm>
+            <a:off x="692640" y="301680"/>
+            <a:ext cx="8692200" cy="1094400"/>
+          </a:xfrm>
+          <a:prstGeom prst="rect">
+            <a:avLst/>
+          </a:prstGeom>
+          <a:noFill/>
+          <a:ln>
+            <a:noFill/>
+          </a:ln>
+        </p:spPr>
+        <p:style>
+          <a:lnRef idx="0">
+            <a:scrgbClr r="0" g="0" b="0"/>
+          </a:lnRef>
+          <a:fillRef idx="0">
+            <a:scrgbClr r="0" g="0" b="0"/>
+          </a:fillRef>
+          <a:effectRef idx="0">
+            <a:scrgbClr r="0" g="0" b="0"/>
+          </a:effectRef>
+          <a:fontRef idx="minor"/>
+        </p:style>
+        <p:txBody>
+          <a:bodyPr lIns="90000" tIns="45000" rIns="90000" bIns="45000" anchor="ctr">
+            <a:noAutofit/>
+          </a:bodyPr>
+          <a:lstStyle/>
+          <a:p>
+            <a:pPr algn="l" rtl="0">
+              <a:lnSpc>
+                <a:spcPct val="90000"/>
+              </a:lnSpc>
+            </a:pPr>
+            <a:r>
+              <a:rPr lang="en" sz="4400" b="0" strike="noStrike" spc="-1" dirty="0">
+                <a:solidFill>
+                  <a:srgbClr val="000000"/>
+                </a:solidFill>
+                <a:latin typeface="Cambria"/>
+                <a:ea typeface="Cambria"/>
+              </a:rPr>
+              <a:t>Concluding Remarks</a:t>
+            </a:r>
+            <a:endParaRPr lang="en" sz="4400" b="0" strike="noStrike" spc="-1" dirty="0">
+              <a:latin typeface="Arial"/>
+            </a:endParaRPr>
+          </a:p>
+        </p:txBody>
+      </p:sp>
+      <p:sp>
+        <p:nvSpPr>
+          <p:cNvPr id="105" name="CustomShape 2"/>
+          <p:cNvSpPr/>
+          <p:nvPr/>
+        </p:nvSpPr>
+        <p:spPr>
+          <a:xfrm>
+            <a:off x="692640" y="1509120"/>
+            <a:ext cx="8692200" cy="3595680"/>
+          </a:xfrm>
+          <a:prstGeom prst="rect">
+            <a:avLst/>
+          </a:prstGeom>
+          <a:noFill/>
+          <a:ln>
+            <a:noFill/>
+          </a:ln>
+        </p:spPr>
+        <p:style>
+          <a:lnRef idx="0">
+            <a:scrgbClr r="0" g="0" b="0"/>
+          </a:lnRef>
+          <a:fillRef idx="0">
+            <a:scrgbClr r="0" g="0" b="0"/>
+          </a:fillRef>
+          <a:effectRef idx="0">
+            <a:scrgbClr r="0" g="0" b="0"/>
+          </a:effectRef>
+          <a:fontRef idx="minor"/>
+        </p:style>
+        <p:txBody>
+          <a:bodyPr lIns="90000" tIns="45000" rIns="90000" bIns="45000">
+            <a:noAutofit/>
+          </a:bodyPr>
+          <a:lstStyle/>
+          <a:p>
+            <a:pPr marL="228600" indent="-226800" algn="l" rtl="0">
               <a:lnSpc>
                 <a:spcPct val="90000"/>
               </a:lnSpc>
@@ -4061,16 +4204,16 @@
               <a:buChar char="•"/>
             </a:pPr>
             <a:r>
-              <a:rPr lang="en" sz="2800" b="0" strike="noStrike" spc="-1">
+              <a:rPr lang="en" sz="2800" b="0" strike="noStrike" spc="-1" dirty="0">
                 <a:solidFill>
                   <a:srgbClr val="000000"/>
                 </a:solidFill>
                 <a:latin typeface="Candara"/>
                 <a:ea typeface="DejaVu Sans"/>
               </a:rPr>
-              <a:t>What’s left to do?</a:t>
-            </a:r>
-            <a:endParaRPr lang="en" sz="2800" b="0" strike="noStrike" spc="-1">
+              <a:t>Is the project usable? </a:t>
+            </a:r>
+            <a:endParaRPr lang="en" sz="2800" b="0" strike="noStrike" spc="-1" dirty="0">
               <a:latin typeface="Arial"/>
             </a:endParaRPr>
           </a:p>
@@ -4083,7 +4226,111 @@
                 <a:spcPts val="1001"/>
               </a:spcBef>
             </a:pPr>
-            <a:endParaRPr lang="en" sz="2800" b="0" strike="noStrike" spc="-1">
+            <a:endParaRPr lang="en" sz="2800" b="0" strike="noStrike" spc="-1" dirty="0">
+              <a:latin typeface="Arial"/>
+            </a:endParaRPr>
+          </a:p>
+          <a:p>
+            <a:pPr marL="228600" indent="-226800" algn="l" rtl="0">
+              <a:lnSpc>
+                <a:spcPct val="90000"/>
+              </a:lnSpc>
+              <a:spcBef>
+                <a:spcPts val="1001"/>
+              </a:spcBef>
+              <a:buClr>
+                <a:srgbClr val="000000"/>
+              </a:buClr>
+              <a:buFont typeface="Arial"/>
+              <a:buChar char="•"/>
+            </a:pPr>
+            <a:r>
+              <a:rPr lang="en" sz="2800" b="0" strike="noStrike" spc="-1" dirty="0">
+                <a:solidFill>
+                  <a:srgbClr val="000000"/>
+                </a:solidFill>
+                <a:latin typeface="Candara"/>
+                <a:ea typeface="DejaVu Sans"/>
+              </a:rPr>
+              <a:t>What’s left to do</a:t>
+            </a:r>
+            <a:r>
+              <a:rPr lang="en" sz="2800" b="0" strike="noStrike" spc="-1" dirty="0" smtClean="0">
+                <a:solidFill>
+                  <a:srgbClr val="000000"/>
+                </a:solidFill>
+                <a:latin typeface="Candara"/>
+                <a:ea typeface="DejaVu Sans"/>
+              </a:rPr>
+              <a:t>?</a:t>
+            </a:r>
+          </a:p>
+          <a:p>
+            <a:pPr marL="459000" indent="-457200" algn="l" rtl="0">
+              <a:lnSpc>
+                <a:spcPct val="90000"/>
+              </a:lnSpc>
+              <a:spcBef>
+                <a:spcPts val="1001"/>
+              </a:spcBef>
+              <a:buClr>
+                <a:srgbClr val="000000"/>
+              </a:buClr>
+              <a:buFontTx/>
+              <a:buChar char="-"/>
+            </a:pPr>
+            <a:r>
+              <a:rPr lang="en" sz="2800" spc="-1" dirty="0" smtClean="0">
+                <a:solidFill>
+                  <a:srgbClr val="000000"/>
+                </a:solidFill>
+                <a:latin typeface="Candara"/>
+              </a:rPr>
+              <a:t>Run model who give back results of which organisms are the most influ</a:t>
+            </a:r>
+            <a:r>
+              <a:rPr lang="en-US" sz="2800" spc="-1" dirty="0" smtClean="0">
+                <a:solidFill>
+                  <a:srgbClr val="000000"/>
+                </a:solidFill>
+                <a:latin typeface="Candara"/>
+              </a:rPr>
+              <a:t>e</a:t>
+            </a:r>
+            <a:r>
+              <a:rPr lang="en" sz="2800" spc="-1" dirty="0" smtClean="0">
+                <a:solidFill>
+                  <a:srgbClr val="000000"/>
+                </a:solidFill>
+                <a:latin typeface="Candara"/>
+              </a:rPr>
+              <a:t>nce.</a:t>
+            </a:r>
+          </a:p>
+          <a:p>
+            <a:pPr marL="459000" indent="-457200" algn="l" rtl="0">
+              <a:lnSpc>
+                <a:spcPct val="90000"/>
+              </a:lnSpc>
+              <a:spcBef>
+                <a:spcPts val="1001"/>
+              </a:spcBef>
+              <a:buClr>
+                <a:srgbClr val="000000"/>
+              </a:buClr>
+              <a:buFontTx/>
+              <a:buChar char="-"/>
+            </a:pPr>
+            <a:r>
+              <a:rPr lang="en" sz="2800" spc="-1" dirty="0" smtClean="0">
+                <a:solidFill>
+                  <a:srgbClr val="000000"/>
+                </a:solidFill>
+                <a:latin typeface="Candara"/>
+              </a:rPr>
+              <a:t>Run the models we checked with spesipic microorgamisms and not not neccecerly by groups of microorganisms famalies as done in this project.</a:t>
+            </a:r>
+            <a:endParaRPr lang="en" sz="2800" b="0" strike="noStrike" spc="-1" dirty="0">
               <a:latin typeface="Arial"/>
             </a:endParaRPr>
           </a:p>
@@ -4096,7 +4343,20 @@
                 <a:spcPts val="1001"/>
               </a:spcBef>
             </a:pPr>
-            <a:endParaRPr lang="en" sz="2800" b="0" strike="noStrike" spc="-1">
+            <a:endParaRPr lang="en" sz="2800" b="0" strike="noStrike" spc="-1" dirty="0">
+              <a:latin typeface="Arial"/>
+            </a:endParaRPr>
+          </a:p>
+          <a:p>
+            <a:pPr>
+              <a:lnSpc>
+                <a:spcPct val="90000"/>
+              </a:lnSpc>
+              <a:spcBef>
+                <a:spcPts val="1001"/>
+              </a:spcBef>
+            </a:pPr>
+            <a:endParaRPr lang="en" sz="2800" b="0" strike="noStrike" spc="-1" dirty="0">
               <a:latin typeface="Arial"/>
             </a:endParaRPr>
           </a:p>
@@ -4111,7 +4371,7 @@
     <mc:Choice Requires="p14">
       <p:transition spd="slow" p14:dur="2000"/>
     </mc:Choice>
-    <mc:Fallback xmlns:p15="http://schemas.microsoft.com/office/powerpoint/2012/main" xmlns="">
+    <mc:Fallback xmlns="" xmlns:p15="http://schemas.microsoft.com/office/powerpoint/2012/main">
       <p:transition spd="slow"/>
     </mc:Fallback>
   </mc:AlternateContent>
@@ -4309,7 +4569,7 @@
           <p:cNvPr id="5" name="מלבן 4">
             <a:extLst>
               <a:ext uri="{FF2B5EF4-FFF2-40B4-BE49-F238E27FC236}">
-                <a16:creationId xmlns:a16="http://schemas.microsoft.com/office/drawing/2014/main" xmlns="" id="{915A2574-C8E6-4F3C-BEBE-93118D0362A3}"/>
+                <a16:creationId xmlns="" xmlns:a16="http://schemas.microsoft.com/office/drawing/2014/main" id="{915A2574-C8E6-4F3C-BEBE-93118D0362A3}"/>
               </a:ext>
             </a:extLst>
           </p:cNvPr>
@@ -4375,7 +4635,7 @@
           <p:cNvPr id="7" name="מלבן 6">
             <a:extLst>
               <a:ext uri="{FF2B5EF4-FFF2-40B4-BE49-F238E27FC236}">
-                <a16:creationId xmlns:a16="http://schemas.microsoft.com/office/drawing/2014/main" xmlns="" id="{915A2574-C8E6-4F3C-BEBE-93118D0362A3}"/>
+                <a16:creationId xmlns="" xmlns:a16="http://schemas.microsoft.com/office/drawing/2014/main" id="{915A2574-C8E6-4F3C-BEBE-93118D0362A3}"/>
               </a:ext>
             </a:extLst>
           </p:cNvPr>
@@ -4441,7 +4701,7 @@
           <p:cNvPr id="9" name="מלבן 8">
             <a:extLst>
               <a:ext uri="{FF2B5EF4-FFF2-40B4-BE49-F238E27FC236}">
-                <a16:creationId xmlns:a16="http://schemas.microsoft.com/office/drawing/2014/main" xmlns="" id="{915A2574-C8E6-4F3C-BEBE-93118D0362A3}"/>
+                <a16:creationId xmlns="" xmlns:a16="http://schemas.microsoft.com/office/drawing/2014/main" id="{915A2574-C8E6-4F3C-BEBE-93118D0362A3}"/>
               </a:ext>
             </a:extLst>
           </p:cNvPr>
@@ -4559,7 +4819,7 @@
           <p:cNvPr id="12" name="מלבן 11">
             <a:extLst>
               <a:ext uri="{FF2B5EF4-FFF2-40B4-BE49-F238E27FC236}">
-                <a16:creationId xmlns:a16="http://schemas.microsoft.com/office/drawing/2014/main" xmlns="" id="{915A2574-C8E6-4F3C-BEBE-93118D0362A3}"/>
+                <a16:creationId xmlns="" xmlns:a16="http://schemas.microsoft.com/office/drawing/2014/main" id="{915A2574-C8E6-4F3C-BEBE-93118D0362A3}"/>
               </a:ext>
             </a:extLst>
           </p:cNvPr>
@@ -4631,7 +4891,7 @@
           <p:cNvPr id="14" name="מלבן 13">
             <a:extLst>
               <a:ext uri="{FF2B5EF4-FFF2-40B4-BE49-F238E27FC236}">
-                <a16:creationId xmlns:a16="http://schemas.microsoft.com/office/drawing/2014/main" xmlns="" id="{915A2574-C8E6-4F3C-BEBE-93118D0362A3}"/>
+                <a16:creationId xmlns="" xmlns:a16="http://schemas.microsoft.com/office/drawing/2014/main" id="{915A2574-C8E6-4F3C-BEBE-93118D0362A3}"/>
               </a:ext>
             </a:extLst>
           </p:cNvPr>
@@ -4697,7 +4957,7 @@
           <p:cNvPr id="16" name="מלבן 15">
             <a:extLst>
               <a:ext uri="{FF2B5EF4-FFF2-40B4-BE49-F238E27FC236}">
-                <a16:creationId xmlns:a16="http://schemas.microsoft.com/office/drawing/2014/main" xmlns="" id="{915A2574-C8E6-4F3C-BEBE-93118D0362A3}"/>
+                <a16:creationId xmlns="" xmlns:a16="http://schemas.microsoft.com/office/drawing/2014/main" id="{915A2574-C8E6-4F3C-BEBE-93118D0362A3}"/>
               </a:ext>
             </a:extLst>
           </p:cNvPr>
@@ -4799,14 +5059,68 @@
       </p:sp>
       <p:sp>
         <p:nvSpPr>
-          <p:cNvPr id="18" name="CustomShape 2"/>
-          <p:cNvSpPr/>
+          <p:cNvPr id="2" name="AutoShape 2" descr="Sedimentation behavior of activated sludge - Jäger Umwelt-Technik"/>
+          <p:cNvSpPr>
+            <a:spLocks noChangeAspect="1" noChangeArrowheads="1"/>
+          </p:cNvSpPr>
           <p:nvPr/>
         </p:nvSpPr>
-        <p:spPr>
-          <a:xfrm rot="10800000" flipV="1">
-            <a:off x="5288965" y="2790571"/>
-            <a:ext cx="4760139" cy="342608"/>
+        <p:spPr bwMode="auto">
+          <a:xfrm>
+            <a:off x="9859963" y="-144463"/>
+            <a:ext cx="304800" cy="304801"/>
+          </a:xfrm>
+          <a:prstGeom prst="rect">
+            <a:avLst/>
+          </a:prstGeom>
+          <a:noFill/>
+          <a:extLst>
+            <a:ext uri="{909E8E84-426E-40DD-AFC4-6F175D3DCCD1}">
+              <a14:hiddenFill xmlns:a14="http://schemas.microsoft.com/office/drawing/2010/main">
+                <a:solidFill>
+                  <a:srgbClr val="FFFFFF"/>
+                </a:solidFill>
+              </a14:hiddenFill>
+            </a:ext>
+          </a:extLst>
+        </p:spPr>
+        <p:txBody>
+          <a:bodyPr vert="horz" wrap="square" lIns="91440" tIns="45720" rIns="91440" bIns="45720" numCol="1" anchor="t" anchorCtr="0" compatLnSpc="1">
+            <a:prstTxWarp prst="textNoShape">
+              <a:avLst/>
+            </a:prstTxWarp>
+          </a:bodyPr>
+          <a:lstStyle/>
+          <a:p>
+            <a:endParaRPr lang="he-IL"/>
+          </a:p>
+        </p:txBody>
+      </p:sp>
+      <p:pic>
+        <p:nvPicPr>
+          <p:cNvPr id="1027" name="Picture 3"/>
+          <p:cNvPicPr>
+            <a:picLocks noChangeAspect="1" noChangeArrowheads="1"/>
+          </p:cNvPicPr>
+          <p:nvPr/>
+        </p:nvPicPr>
+        <p:blipFill>
+          <a:blip r:embed="rId8">
+            <a:extLst>
+              <a:ext uri="{28A0092B-C50C-407E-A947-70E740481C1C}">
+                <a14:useLocalDpi xmlns:a14="http://schemas.microsoft.com/office/drawing/2010/main" val="0"/>
+              </a:ext>
+            </a:extLst>
+          </a:blip>
+          <a:srcRect/>
+          <a:stretch>
+            <a:fillRect/>
+          </a:stretch>
+        </p:blipFill>
+        <p:spPr bwMode="auto">
+          <a:xfrm>
+            <a:off x="6526460" y="2900526"/>
+            <a:ext cx="2363903" cy="2363903"/>
           </a:xfrm>
           <a:prstGeom prst="rect">
             <a:avLst/>
@@ -4815,63 +5129,27 @@
           <a:ln>
             <a:noFill/>
           </a:ln>
-        </p:spPr>
-        <p:style>
-          <a:lnRef idx="0">
-            <a:scrgbClr r="0" g="0" b="0"/>
-          </a:lnRef>
-          <a:fillRef idx="0">
-            <a:scrgbClr r="0" g="0" b="0"/>
-          </a:fillRef>
-          <a:effectRef idx="0">
-            <a:scrgbClr r="0" g="0" b="0"/>
-          </a:effectRef>
-          <a:fontRef idx="minor"/>
-        </p:style>
-        <p:txBody>
-          <a:bodyPr lIns="90000" tIns="45000" rIns="90000" bIns="45000">
-            <a:noAutofit/>
-          </a:bodyPr>
-          <a:lstStyle/>
-          <a:p>
-            <a:pPr algn="ctr" rtl="0">
-              <a:lnSpc>
-                <a:spcPct val="90000"/>
-              </a:lnSpc>
-              <a:spcBef>
-                <a:spcPts val="1001"/>
-              </a:spcBef>
-            </a:pPr>
-            <a:r>
-              <a:rPr lang="en-US" sz="2800" spc="-1" dirty="0" smtClean="0">
-                <a:solidFill>
-                  <a:srgbClr val="FF0000"/>
-                </a:solidFill>
-                <a:latin typeface="Candara"/>
-                <a:ea typeface="DejaVu Sans"/>
-              </a:rPr>
-              <a:t>N</a:t>
-            </a:r>
-            <a:r>
-              <a:rPr lang="en" sz="2800" spc="-1" dirty="0" smtClean="0">
-                <a:solidFill>
-                  <a:srgbClr val="FF0000"/>
-                </a:solidFill>
-                <a:latin typeface="Candara"/>
-                <a:ea typeface="DejaVu Sans"/>
-              </a:rPr>
-              <a:t>eed to add SVI an SV figure</a:t>
-            </a:r>
-            <a:endParaRPr lang="en" sz="2800" spc="-1" dirty="0">
-              <a:solidFill>
-                <a:srgbClr val="FF0000"/>
-              </a:solidFill>
-              <a:latin typeface="Candara"/>
-              <a:ea typeface="DejaVu Sans"/>
-            </a:endParaRPr>
-          </a:p>
-        </p:txBody>
-      </p:sp>
+          <a:extLst>
+            <a:ext uri="{909E8E84-426E-40DD-AFC4-6F175D3DCCD1}">
+              <a14:hiddenFill xmlns:a14="http://schemas.microsoft.com/office/drawing/2010/main">
+                <a:solidFill>
+                  <a:schemeClr val="accent1"/>
+                </a:solidFill>
+              </a14:hiddenFill>
+            </a:ext>
+            <a:ext uri="{91240B29-F687-4F45-9708-019B960494DF}">
+              <a14:hiddenLine xmlns:a14="http://schemas.microsoft.com/office/drawing/2010/main" w="9525">
+                <a:solidFill>
+                  <a:schemeClr val="tx1"/>
+                </a:solidFill>
+                <a:miter lim="800000"/>
+                <a:headEnd/>
+                <a:tailEnd/>
+              </a14:hiddenLine>
+            </a:ext>
+          </a:extLst>
+        </p:spPr>
+      </p:pic>
     </p:spTree>
   </p:cSld>
   <p:clrMapOvr>
@@ -4881,7 +5159,7 @@
     <mc:Choice Requires="p14">
       <p:transition spd="slow" p14:dur="2000"/>
     </mc:Choice>
-    <mc:Fallback xmlns:p15="http://schemas.microsoft.com/office/powerpoint/2012/main" xmlns="">
+    <mc:Fallback xmlns="" xmlns:p15="http://schemas.microsoft.com/office/powerpoint/2012/main">
       <p:transition spd="slow"/>
     </mc:Fallback>
   </mc:AlternateContent>
@@ -5113,16 +5391,7 @@
                 </a:solidFill>
                 <a:latin typeface="Candara"/>
               </a:rPr>
-              <a:t>d</a:t>
-            </a:r>
-            <a:r>
-              <a:rPr lang="en" sz="2000" spc="-1" dirty="0" smtClean="0">
-                <a:solidFill>
-                  <a:srgbClr val="000000"/>
-                </a:solidFill>
-                <a:latin typeface="Candara"/>
-              </a:rPr>
-              <a:t>ata </a:t>
+              <a:t>data </a:t>
             </a:r>
             <a:r>
               <a:rPr lang="en" sz="2000" spc="-1" dirty="0">
@@ -5421,7 +5690,7 @@
     <mc:Choice Requires="p14">
       <p:transition spd="slow" p14:dur="2000"/>
     </mc:Choice>
-    <mc:Fallback xmlns:p15="http://schemas.microsoft.com/office/powerpoint/2012/main" xmlns="">
+    <mc:Fallback xmlns="" xmlns:p15="http://schemas.microsoft.com/office/powerpoint/2012/main">
       <p:transition spd="slow"/>
     </mc:Fallback>
   </mc:AlternateContent>
@@ -5614,8 +5883,8 @@
         </p:nvSpPr>
         <p:spPr>
           <a:xfrm>
-            <a:off x="287784" y="2277327"/>
-            <a:ext cx="2028728" cy="1326021"/>
+            <a:off x="2448024" y="2457347"/>
+            <a:ext cx="1380656" cy="979855"/>
           </a:xfrm>
           <a:prstGeom prst="rect">
             <a:avLst/>
@@ -5665,7 +5934,32 @@
                 </a:solidFill>
                 <a:latin typeface="+mj-lt"/>
               </a:rPr>
-              <a:t>Files process save</a:t>
+              <a:t>Files </a:t>
+            </a:r>
+            <a:r>
+              <a:rPr lang="en-US" spc="-1" dirty="0" smtClean="0">
+                <a:solidFill>
+                  <a:srgbClr val="000000"/>
+                </a:solidFill>
+                <a:latin typeface="+mj-lt"/>
+              </a:rPr>
+              <a:t>process</a:t>
+            </a:r>
+          </a:p>
+          <a:p>
+            <a:pPr algn="ctr">
+              <a:lnSpc>
+                <a:spcPct val="100000"/>
+              </a:lnSpc>
+            </a:pPr>
+            <a:r>
+              <a:rPr lang="en-US" spc="-1" dirty="0" smtClean="0">
+                <a:solidFill>
+                  <a:srgbClr val="000000"/>
+                </a:solidFill>
+                <a:latin typeface="+mj-lt"/>
+              </a:rPr>
+              <a:t> save</a:t>
             </a:r>
             <a:endParaRPr lang="en" spc="-1" dirty="0">
               <a:solidFill>
@@ -5684,7 +5978,7 @@
         </p:nvSpPr>
         <p:spPr>
           <a:xfrm flipV="1">
-            <a:off x="5688384" y="2115195"/>
+            <a:off x="6192440" y="2115195"/>
             <a:ext cx="1512168" cy="684304"/>
           </a:xfrm>
           <a:prstGeom prst="line">
@@ -5718,7 +6012,7 @@
         </p:nvSpPr>
         <p:spPr>
           <a:xfrm>
-            <a:off x="7335760" y="1611139"/>
+            <a:off x="7839816" y="1611139"/>
             <a:ext cx="1737000" cy="1188360"/>
           </a:xfrm>
           <a:prstGeom prst="rect">
@@ -5769,16 +6063,7 @@
                 </a:solidFill>
                 <a:latin typeface="+mj-lt"/>
               </a:rPr>
-              <a:t>S</a:t>
-            </a:r>
-            <a:r>
-              <a:rPr lang="en-US" spc="-1" dirty="0" smtClean="0">
-                <a:solidFill>
-                  <a:srgbClr val="000000"/>
-                </a:solidFill>
-                <a:latin typeface="+mj-lt"/>
-              </a:rPr>
-              <a:t>upervised</a:t>
+              <a:t>Supervised</a:t>
             </a:r>
           </a:p>
           <a:p>
@@ -5810,7 +6095,7 @@
         </p:nvSpPr>
         <p:spPr>
           <a:xfrm>
-            <a:off x="5688384" y="3253067"/>
+            <a:off x="6192440" y="3253067"/>
             <a:ext cx="1512168" cy="446303"/>
           </a:xfrm>
           <a:prstGeom prst="line">
@@ -5844,7 +6129,7 @@
         </p:nvSpPr>
         <p:spPr>
           <a:xfrm>
-            <a:off x="7335760" y="3253068"/>
+            <a:off x="7839816" y="3253068"/>
             <a:ext cx="1737000" cy="1188360"/>
           </a:xfrm>
           <a:prstGeom prst="rect">
@@ -5921,8 +6206,8 @@
         </p:nvSpPr>
         <p:spPr>
           <a:xfrm>
-            <a:off x="3443632" y="2277327"/>
-            <a:ext cx="2028728" cy="1326021"/>
+            <a:off x="4705892" y="2475347"/>
+            <a:ext cx="1296144" cy="961855"/>
           </a:xfrm>
           <a:prstGeom prst="rect">
             <a:avLst/>
@@ -5991,8 +6276,260 @@
         </p:nvSpPr>
         <p:spPr>
           <a:xfrm flipV="1">
-            <a:off x="2388520" y="2978777"/>
-            <a:ext cx="923600" cy="0"/>
+            <a:off x="3888184" y="2956274"/>
+            <a:ext cx="707576" cy="0"/>
+          </a:xfrm>
+          <a:prstGeom prst="line">
+            <a:avLst/>
+          </a:prstGeom>
+          <a:ln>
+            <a:solidFill>
+              <a:schemeClr val="tx1"/>
+            </a:solidFill>
+            <a:tailEnd type="triangle" w="med" len="med"/>
+          </a:ln>
+        </p:spPr>
+        <p:style>
+          <a:lnRef idx="0">
+            <a:scrgbClr r="0" g="0" b="0"/>
+          </a:lnRef>
+          <a:fillRef idx="0">
+            <a:scrgbClr r="0" g="0" b="0"/>
+          </a:fillRef>
+          <a:effectRef idx="0">
+            <a:scrgbClr r="0" g="0" b="0"/>
+          </a:effectRef>
+          <a:fontRef idx="minor"/>
+        </p:style>
+      </p:sp>
+      <p:sp>
+        <p:nvSpPr>
+          <p:cNvPr id="12" name="CustomShape 3"/>
+          <p:cNvSpPr/>
+          <p:nvPr/>
+        </p:nvSpPr>
+        <p:spPr>
+          <a:xfrm>
+            <a:off x="275280" y="1639396"/>
+            <a:ext cx="1380656" cy="979855"/>
+          </a:xfrm>
+          <a:prstGeom prst="rect">
+            <a:avLst/>
+          </a:prstGeom>
+          <a:solidFill>
+            <a:schemeClr val="accent6">
+              <a:lumMod val="20000"/>
+              <a:lumOff val="80000"/>
+            </a:schemeClr>
+          </a:solidFill>
+          <a:ln>
+            <a:solidFill>
+              <a:schemeClr val="accent6">
+                <a:lumMod val="20000"/>
+                <a:lumOff val="80000"/>
+              </a:schemeClr>
+            </a:solidFill>
+          </a:ln>
+        </p:spPr>
+        <p:style>
+          <a:lnRef idx="0">
+            <a:scrgbClr r="0" g="0" b="0"/>
+          </a:lnRef>
+          <a:fillRef idx="0">
+            <a:scrgbClr r="0" g="0" b="0"/>
+          </a:fillRef>
+          <a:effectRef idx="0">
+            <a:scrgbClr r="0" g="0" b="0"/>
+          </a:effectRef>
+          <a:fontRef idx="minor"/>
+        </p:style>
+        <p:txBody>
+          <a:bodyPr wrap="none" lIns="90000" tIns="45000" rIns="90000" bIns="45000" anchor="ctr">
+            <a:noAutofit/>
+          </a:bodyPr>
+          <a:lstStyle/>
+          <a:p>
+            <a:pPr algn="ctr" rtl="0">
+              <a:lnSpc>
+                <a:spcPct val="100000"/>
+              </a:lnSpc>
+            </a:pPr>
+            <a:r>
+              <a:rPr lang="en-US" spc="-1" dirty="0" smtClean="0">
+                <a:solidFill>
+                  <a:srgbClr val="000000"/>
+                </a:solidFill>
+                <a:latin typeface="+mj-lt"/>
+              </a:rPr>
+              <a:t>Clean data</a:t>
+            </a:r>
+          </a:p>
+          <a:p>
+            <a:pPr algn="ctr" rtl="0">
+              <a:lnSpc>
+                <a:spcPct val="100000"/>
+              </a:lnSpc>
+            </a:pPr>
+            <a:r>
+              <a:rPr lang="en-US" spc="-1" dirty="0" smtClean="0">
+                <a:solidFill>
+                  <a:srgbClr val="000000"/>
+                </a:solidFill>
+                <a:latin typeface="+mj-lt"/>
+              </a:rPr>
+              <a:t> microscope</a:t>
+            </a:r>
+            <a:endParaRPr lang="en" spc="-1" dirty="0">
+              <a:solidFill>
+                <a:srgbClr val="000000"/>
+              </a:solidFill>
+              <a:latin typeface="+mj-lt"/>
+            </a:endParaRPr>
+          </a:p>
+        </p:txBody>
+      </p:sp>
+      <p:sp>
+        <p:nvSpPr>
+          <p:cNvPr id="13" name="CustomShape 3"/>
+          <p:cNvSpPr/>
+          <p:nvPr/>
+        </p:nvSpPr>
+        <p:spPr>
+          <a:xfrm>
+            <a:off x="275280" y="3411339"/>
+            <a:ext cx="1380656" cy="979855"/>
+          </a:xfrm>
+          <a:prstGeom prst="rect">
+            <a:avLst/>
+          </a:prstGeom>
+          <a:solidFill>
+            <a:schemeClr val="accent6">
+              <a:lumMod val="20000"/>
+              <a:lumOff val="80000"/>
+            </a:schemeClr>
+          </a:solidFill>
+          <a:ln>
+            <a:solidFill>
+              <a:schemeClr val="accent6">
+                <a:lumMod val="20000"/>
+                <a:lumOff val="80000"/>
+              </a:schemeClr>
+            </a:solidFill>
+          </a:ln>
+        </p:spPr>
+        <p:style>
+          <a:lnRef idx="0">
+            <a:scrgbClr r="0" g="0" b="0"/>
+          </a:lnRef>
+          <a:fillRef idx="0">
+            <a:scrgbClr r="0" g="0" b="0"/>
+          </a:fillRef>
+          <a:effectRef idx="0">
+            <a:scrgbClr r="0" g="0" b="0"/>
+          </a:effectRef>
+          <a:fontRef idx="minor"/>
+        </p:style>
+        <p:txBody>
+          <a:bodyPr wrap="none" lIns="90000" tIns="45000" rIns="90000" bIns="45000" anchor="ctr">
+            <a:noAutofit/>
+          </a:bodyPr>
+          <a:lstStyle/>
+          <a:p>
+            <a:pPr algn="ctr" rtl="0">
+              <a:lnSpc>
+                <a:spcPct val="100000"/>
+              </a:lnSpc>
+            </a:pPr>
+            <a:r>
+              <a:rPr lang="en-US" spc="-1" dirty="0">
+                <a:solidFill>
+                  <a:srgbClr val="000000"/>
+                </a:solidFill>
+              </a:rPr>
+              <a:t>Clean data</a:t>
+            </a:r>
+          </a:p>
+          <a:p>
+            <a:pPr algn="ctr" rtl="0">
+              <a:lnSpc>
+                <a:spcPct val="100000"/>
+              </a:lnSpc>
+            </a:pPr>
+            <a:r>
+              <a:rPr lang="en-US" spc="-1" dirty="0">
+                <a:solidFill>
+                  <a:srgbClr val="000000"/>
+                </a:solidFill>
+              </a:rPr>
+              <a:t> </a:t>
+            </a:r>
+            <a:r>
+              <a:rPr lang="en-US" spc="-1" dirty="0" smtClean="0">
+                <a:solidFill>
+                  <a:srgbClr val="000000"/>
+                </a:solidFill>
+              </a:rPr>
+              <a:t>SVI</a:t>
+            </a:r>
+            <a:endParaRPr lang="en" spc="-1" dirty="0">
+              <a:solidFill>
+                <a:srgbClr val="000000"/>
+              </a:solidFill>
+            </a:endParaRPr>
+          </a:p>
+        </p:txBody>
+      </p:sp>
+      <p:sp>
+        <p:nvSpPr>
+          <p:cNvPr id="14" name="Line 4"/>
+          <p:cNvSpPr/>
+          <p:nvPr/>
+        </p:nvSpPr>
+        <p:spPr>
+          <a:xfrm flipV="1">
+            <a:off x="1758622" y="3253068"/>
+            <a:ext cx="576064" cy="201468"/>
+          </a:xfrm>
+          <a:prstGeom prst="line">
+            <a:avLst/>
+          </a:prstGeom>
+          <a:ln>
+            <a:solidFill>
+              <a:schemeClr val="tx1"/>
+            </a:solidFill>
+            <a:tailEnd type="triangle" w="med" len="med"/>
+          </a:ln>
+        </p:spPr>
+        <p:style>
+          <a:lnRef idx="0">
+            <a:scrgbClr r="0" g="0" b="0"/>
+          </a:lnRef>
+          <a:fillRef idx="0">
+            <a:scrgbClr r="0" g="0" b="0"/>
+          </a:fillRef>
+          <a:effectRef idx="0">
+            <a:scrgbClr r="0" g="0" b="0"/>
+          </a:effectRef>
+          <a:fontRef idx="minor"/>
+        </p:style>
+        <p:txBody>
+          <a:bodyPr/>
+          <a:lstStyle/>
+          <a:p>
+            <a:endParaRPr lang="he-IL" dirty="0"/>
+          </a:p>
+        </p:txBody>
+      </p:sp>
+      <p:sp>
+        <p:nvSpPr>
+          <p:cNvPr id="15" name="Line 4"/>
+          <p:cNvSpPr/>
+          <p:nvPr/>
+        </p:nvSpPr>
+        <p:spPr>
+          <a:xfrm>
+            <a:off x="1758622" y="2611365"/>
+            <a:ext cx="576064" cy="147775"/>
           </a:xfrm>
           <a:prstGeom prst="line">
             <a:avLst/>
@@ -6026,7 +6563,7 @@
     <mc:Choice Requires="p14">
       <p:transition spd="slow" p14:dur="2000"/>
     </mc:Choice>
-    <mc:Fallback xmlns:p15="http://schemas.microsoft.com/office/powerpoint/2012/main" xmlns="">
+    <mc:Fallback xmlns="" xmlns:p15="http://schemas.microsoft.com/office/powerpoint/2012/main">
       <p:transition spd="slow"/>
     </mc:Fallback>
   </mc:AlternateContent>
@@ -6354,7 +6891,7 @@
     <mc:Choice Requires="p14">
       <p:transition spd="slow" p14:dur="2000"/>
     </mc:Choice>
-    <mc:Fallback xmlns:p15="http://schemas.microsoft.com/office/powerpoint/2012/main" xmlns="">
+    <mc:Fallback xmlns="" xmlns:p15="http://schemas.microsoft.com/office/powerpoint/2012/main">
       <p:transition spd="slow"/>
     </mc:Fallback>
   </mc:AlternateContent>
@@ -6669,7 +7206,7 @@
     <mc:Choice Requires="p14">
       <p:transition spd="slow" p14:dur="2000"/>
     </mc:Choice>
-    <mc:Fallback xmlns:p15="http://schemas.microsoft.com/office/powerpoint/2012/main" xmlns="">
+    <mc:Fallback xmlns="" xmlns:p15="http://schemas.microsoft.com/office/powerpoint/2012/main">
       <p:transition spd="slow"/>
     </mc:Fallback>
   </mc:AlternateContent>
@@ -6701,7 +7238,7 @@
         </p:nvSpPr>
         <p:spPr>
           <a:xfrm>
-            <a:off x="288033" y="380553"/>
+            <a:off x="608634" y="427549"/>
             <a:ext cx="9504807" cy="1094400"/>
           </a:xfrm>
           <a:prstGeom prst="rect">
@@ -6743,17 +7280,35 @@
                 <a:latin typeface="Cambria"/>
                 <a:ea typeface="Cambria"/>
               </a:rPr>
-              <a:t>Supervised Features </a:t>
-            </a:r>
-            <a:r>
-              <a:rPr lang="en" sz="4000" b="0" strike="noStrike" spc="-1" dirty="0">
+              <a:t>Supervised </a:t>
+            </a:r>
+            <a:r>
+              <a:rPr lang="en-US" sz="4000" spc="-1" dirty="0" err="1">
+                <a:solidFill>
+                  <a:srgbClr val="000000"/>
+                </a:solidFill>
+                <a:latin typeface="Candara"/>
+              </a:rPr>
+              <a:t>LinearSVC</a:t>
+            </a:r>
+            <a:r>
+              <a:rPr lang="en-US" sz="4000" spc="-1" dirty="0">
+                <a:solidFill>
+                  <a:srgbClr val="000000"/>
+                </a:solidFill>
+                <a:latin typeface="Candara"/>
+              </a:rPr>
+              <a:t> </a:t>
+            </a:r>
+            <a:r>
+              <a:rPr lang="en" sz="4000" b="0" strike="noStrike" spc="-1" dirty="0" smtClean="0">
                 <a:solidFill>
                   <a:srgbClr val="000000"/>
                 </a:solidFill>
                 <a:latin typeface="Cambria"/>
                 <a:ea typeface="Cambria"/>
               </a:rPr>
-              <a:t>and Examples</a:t>
+              <a:t>- </a:t>
             </a:r>
             <a:endParaRPr lang="en" sz="4000" b="0" strike="noStrike" spc="-1" dirty="0">
               <a:latin typeface="Arial"/>
@@ -6813,7 +7368,7 @@
                 </a:solidFill>
                 <a:latin typeface="Candara"/>
               </a:rPr>
-              <a:t>The supervised </a:t>
+              <a:t>Supervised.LinearSVC.py </a:t>
             </a:r>
             <a:r>
               <a:rPr lang="en-US" sz="2800" spc="-1" dirty="0" smtClean="0">
@@ -6822,34 +7377,7 @@
                 </a:solidFill>
                 <a:latin typeface="Candara"/>
               </a:rPr>
-              <a:t>runs two supervised models: </a:t>
-            </a:r>
-            <a:r>
-              <a:rPr lang="en-US" sz="2800" spc="-1" dirty="0" err="1" smtClean="0">
-                <a:solidFill>
-                  <a:srgbClr val="000000"/>
-                </a:solidFill>
-                <a:latin typeface="Candara"/>
-              </a:rPr>
-              <a:t>LinearSVC</a:t>
-            </a:r>
-            <a:r>
-              <a:rPr lang="en-US" sz="2800" spc="-1" dirty="0" smtClean="0">
-                <a:solidFill>
-                  <a:srgbClr val="000000"/>
-                </a:solidFill>
-                <a:latin typeface="Candara"/>
-              </a:rPr>
-              <a:t> and </a:t>
-            </a:r>
-            <a:r>
-              <a:rPr lang="en-US" sz="2800" spc="-1" dirty="0" err="1" smtClean="0">
-                <a:solidFill>
-                  <a:srgbClr val="000000"/>
-                </a:solidFill>
-                <a:latin typeface="Candara"/>
-              </a:rPr>
-              <a:t>KNeighborsClassifier</a:t>
+              <a:t>runs the model and creates graph</a:t>
             </a:r>
             <a:r>
               <a:rPr lang="en-US" sz="2800" spc="-1" dirty="0" smtClean="0">
@@ -6859,7 +7387,37 @@
                 <a:latin typeface="Candara"/>
                 <a:ea typeface="DejaVu Sans"/>
               </a:rPr>
-              <a:t>. The results are saved in figures file.</a:t>
+              <a:t> </a:t>
+            </a:r>
+            <a:r>
+              <a:rPr lang="en-US" sz="2800" spc="-1" dirty="0" smtClean="0">
+                <a:solidFill>
+                  <a:srgbClr val="000000"/>
+                </a:solidFill>
+                <a:latin typeface="Candara"/>
+                <a:ea typeface="DejaVu Sans"/>
+              </a:rPr>
+              <a:t>results </a:t>
+            </a:r>
+            <a:r>
+              <a:rPr lang="en-US" sz="2800" spc="-1" dirty="0" smtClean="0">
+                <a:solidFill>
+                  <a:srgbClr val="000000"/>
+                </a:solidFill>
+                <a:latin typeface="Candara"/>
+                <a:ea typeface="DejaVu Sans"/>
+              </a:rPr>
+              <a:t>which are </a:t>
+            </a:r>
+            <a:r>
+              <a:rPr lang="en-US" sz="2800" spc="-1" dirty="0" smtClean="0">
+                <a:solidFill>
+                  <a:srgbClr val="000000"/>
+                </a:solidFill>
+                <a:latin typeface="Candara"/>
+                <a:ea typeface="DejaVu Sans"/>
+              </a:rPr>
+              <a:t>saved in figures file.</a:t>
             </a:r>
             <a:endParaRPr lang="en-US" sz="2800" spc="-1" dirty="0">
               <a:solidFill>
@@ -6949,6 +7507,47 @@
           </a:p>
         </p:txBody>
       </p:sp>
+      <p:pic>
+        <p:nvPicPr>
+          <p:cNvPr id="2050" name="Picture 2" descr="E:\python\Microorganism_Effects_Analysis\figures\LinearSVC_SVI_label.png"/>
+          <p:cNvPicPr>
+            <a:picLocks noChangeAspect="1" noChangeArrowheads="1"/>
+          </p:cNvPicPr>
+          <p:nvPr/>
+        </p:nvPicPr>
+        <p:blipFill>
+          <a:blip r:embed="rId2">
+            <a:extLst>
+              <a:ext uri="{28A0092B-C50C-407E-A947-70E740481C1C}">
+                <a14:useLocalDpi xmlns:a14="http://schemas.microsoft.com/office/drawing/2010/main" val="0"/>
+              </a:ext>
+            </a:extLst>
+          </a:blip>
+          <a:srcRect/>
+          <a:stretch>
+            <a:fillRect/>
+          </a:stretch>
+        </p:blipFill>
+        <p:spPr bwMode="auto">
+          <a:xfrm>
+            <a:off x="271848" y="2547243"/>
+            <a:ext cx="9217024" cy="2744172"/>
+          </a:xfrm>
+          <a:prstGeom prst="rect">
+            <a:avLst/>
+          </a:prstGeom>
+          <a:noFill/>
+          <a:extLst>
+            <a:ext uri="{909E8E84-426E-40DD-AFC4-6F175D3DCCD1}">
+              <a14:hiddenFill xmlns:a14="http://schemas.microsoft.com/office/drawing/2010/main">
+                <a:solidFill>
+                  <a:srgbClr val="FFFFFF"/>
+                </a:solidFill>
+              </a14:hiddenFill>
+            </a:ext>
+          </a:extLst>
+        </p:spPr>
+      </p:pic>
     </p:spTree>
     <p:extLst>
       <p:ext uri="{BB962C8B-B14F-4D97-AF65-F5344CB8AC3E}">
@@ -6963,7 +7562,7 @@
     <mc:Choice Requires="p14">
       <p:transition spd="slow" p14:dur="2000"/>
     </mc:Choice>
-    <mc:Fallback xmlns:p15="http://schemas.microsoft.com/office/powerpoint/2012/main" xmlns="">
+    <mc:Fallback xmlns="" xmlns:p15="http://schemas.microsoft.com/office/powerpoint/2012/main">
       <p:transition spd="slow"/>
     </mc:Fallback>
   </mc:AlternateContent>
@@ -6995,7 +7594,7 @@
         </p:nvSpPr>
         <p:spPr>
           <a:xfrm>
-            <a:off x="288033" y="380553"/>
+            <a:off x="608634" y="427549"/>
             <a:ext cx="9504807" cy="1094400"/>
           </a:xfrm>
           <a:prstGeom prst="rect">
@@ -7030,14 +7629,32 @@
               </a:lnSpc>
             </a:pPr>
             <a:r>
-              <a:rPr lang="en" sz="4000" spc="-1" dirty="0" smtClean="0">
+              <a:rPr lang="en" sz="4000" b="0" strike="noStrike" spc="-1" dirty="0" smtClean="0">
                 <a:solidFill>
                   <a:srgbClr val="000000"/>
                 </a:solidFill>
                 <a:latin typeface="Cambria"/>
                 <a:ea typeface="Cambria"/>
               </a:rPr>
-              <a:t>Regression </a:t>
+              <a:t>Supervised </a:t>
+            </a:r>
+            <a:r>
+              <a:rPr lang="en-US" sz="4000" spc="-1" dirty="0" err="1">
+                <a:solidFill>
+                  <a:srgbClr val="000000"/>
+                </a:solidFill>
+                <a:latin typeface="Candara"/>
+              </a:rPr>
+              <a:t>KNeighborsClassifie</a:t>
+            </a:r>
+            <a:r>
+              <a:rPr lang="en-US" sz="4000" spc="-1" dirty="0" smtClean="0">
+                <a:solidFill>
+                  <a:srgbClr val="000000"/>
+                </a:solidFill>
+                <a:latin typeface="Candara"/>
+              </a:rPr>
+              <a:t> </a:t>
             </a:r>
             <a:r>
               <a:rPr lang="en" sz="4000" b="0" strike="noStrike" spc="-1" dirty="0" smtClean="0">
@@ -7047,17 +7664,7 @@
                 <a:latin typeface="Cambria"/>
                 <a:ea typeface="Cambria"/>
               </a:rPr>
-              <a:t>Features </a:t>
-            </a:r>
-            <a:r>
-              <a:rPr lang="en" sz="4000" b="0" strike="noStrike" spc="-1" dirty="0">
-                <a:solidFill>
-                  <a:srgbClr val="000000"/>
-                </a:solidFill>
-                <a:latin typeface="Cambria"/>
-                <a:ea typeface="Cambria"/>
-              </a:rPr>
-              <a:t>and Examples</a:t>
+              <a:t>- </a:t>
             </a:r>
             <a:endParaRPr lang="en" sz="4000" b="0" strike="noStrike" spc="-1" dirty="0">
               <a:latin typeface="Arial"/>
@@ -7074,7 +7681,7 @@
         <p:spPr>
           <a:xfrm>
             <a:off x="692640" y="1509120"/>
-            <a:ext cx="8692200" cy="1326155"/>
+            <a:ext cx="8692200" cy="1182139"/>
           </a:xfrm>
           <a:prstGeom prst="rect">
             <a:avLst/>
@@ -7116,9 +7723,67 @@
                   <a:srgbClr val="000000"/>
                 </a:solidFill>
                 <a:latin typeface="Candara"/>
+              </a:rPr>
+              <a:t>Supervised.Kneighbors.py </a:t>
+            </a:r>
+            <a:r>
+              <a:rPr lang="en-US" sz="2800" spc="-1" dirty="0" smtClean="0">
+                <a:solidFill>
+                  <a:srgbClr val="000000"/>
+                </a:solidFill>
+                <a:latin typeface="Candara"/>
+              </a:rPr>
+              <a:t>runs the model and creates graph</a:t>
+            </a:r>
+            <a:r>
+              <a:rPr lang="en-US" sz="2800" spc="-1" dirty="0" smtClean="0">
+                <a:solidFill>
+                  <a:srgbClr val="000000"/>
+                </a:solidFill>
+                <a:latin typeface="Candara"/>
                 <a:ea typeface="DejaVu Sans"/>
               </a:rPr>
-              <a:t>.</a:t>
+              <a:t> </a:t>
+            </a:r>
+            <a:r>
+              <a:rPr lang="en-US" sz="2800" spc="-1" dirty="0" smtClean="0">
+                <a:solidFill>
+                  <a:srgbClr val="000000"/>
+                </a:solidFill>
+                <a:latin typeface="Candara"/>
+                <a:ea typeface="DejaVu Sans"/>
+              </a:rPr>
+              <a:t>results </a:t>
+            </a:r>
+            <a:r>
+              <a:rPr lang="en-US" sz="2800" spc="-1" dirty="0" smtClean="0">
+                <a:solidFill>
+                  <a:srgbClr val="000000"/>
+                </a:solidFill>
+                <a:latin typeface="Candara"/>
+                <a:ea typeface="DejaVu Sans"/>
+              </a:rPr>
+              <a:t>which are </a:t>
+            </a:r>
+            <a:r>
+              <a:rPr lang="en-US" sz="2800" spc="-1" dirty="0" smtClean="0">
+                <a:solidFill>
+                  <a:srgbClr val="000000"/>
+                </a:solidFill>
+                <a:latin typeface="Candara"/>
+                <a:ea typeface="DejaVu Sans"/>
+              </a:rPr>
+              <a:t>saved in figures file</a:t>
+            </a:r>
+            <a:r>
+              <a:rPr lang="en-US" sz="2800" spc="-1" dirty="0" smtClean="0">
+                <a:solidFill>
+                  <a:srgbClr val="000000"/>
+                </a:solidFill>
+                <a:latin typeface="Candara"/>
+                <a:ea typeface="DejaVu Sans"/>
+              </a:rPr>
+              <a:t>. This model predict better by filaments data, SVI, and delay of 6 days</a:t>
             </a:r>
             <a:endParaRPr lang="en-US" sz="2800" spc="-1" dirty="0">
               <a:solidFill>
@@ -7208,10 +7873,97 @@
           </a:p>
         </p:txBody>
       </p:sp>
+      <p:pic>
+        <p:nvPicPr>
+          <p:cNvPr id="3074" name="Picture 2" descr="E:\python\Microorganism_Effects_Analysis\figures\KNeighbors_SVI_label.png"/>
+          <p:cNvPicPr>
+            <a:picLocks noChangeAspect="1" noChangeArrowheads="1"/>
+          </p:cNvPicPr>
+          <p:nvPr/>
+        </p:nvPicPr>
+        <p:blipFill>
+          <a:blip r:embed="rId2">
+            <a:extLst>
+              <a:ext uri="{28A0092B-C50C-407E-A947-70E740481C1C}">
+                <a14:useLocalDpi xmlns:a14="http://schemas.microsoft.com/office/drawing/2010/main" val="0"/>
+              </a:ext>
+            </a:extLst>
+          </a:blip>
+          <a:srcRect/>
+          <a:stretch>
+            <a:fillRect/>
+          </a:stretch>
+        </p:blipFill>
+        <p:spPr bwMode="auto">
+          <a:xfrm>
+            <a:off x="320946" y="2835098"/>
+            <a:ext cx="9433048" cy="2808489"/>
+          </a:xfrm>
+          <a:prstGeom prst="rect">
+            <a:avLst/>
+          </a:prstGeom>
+          <a:noFill/>
+          <a:extLst>
+            <a:ext uri="{909E8E84-426E-40DD-AFC4-6F175D3DCCD1}">
+              <a14:hiddenFill xmlns:a14="http://schemas.microsoft.com/office/drawing/2010/main">
+                <a:solidFill>
+                  <a:srgbClr val="FFFFFF"/>
+                </a:solidFill>
+              </a14:hiddenFill>
+            </a:ext>
+          </a:extLst>
+        </p:spPr>
+      </p:pic>
+      <p:sp>
+        <p:nvSpPr>
+          <p:cNvPr id="2" name="אליפסה 1"/>
+          <p:cNvSpPr/>
+          <p:nvPr/>
+        </p:nvSpPr>
+        <p:spPr>
+          <a:xfrm>
+            <a:off x="6048424" y="3339331"/>
+            <a:ext cx="288032" cy="1224136"/>
+          </a:xfrm>
+          <a:prstGeom prst="ellipse">
+            <a:avLst/>
+          </a:prstGeom>
+          <a:noFill/>
+          <a:ln>
+            <a:solidFill>
+              <a:srgbClr val="FF0000"/>
+            </a:solidFill>
+          </a:ln>
+        </p:spPr>
+        <p:style>
+          <a:lnRef idx="2">
+            <a:schemeClr val="accent1">
+              <a:shade val="50000"/>
+            </a:schemeClr>
+          </a:lnRef>
+          <a:fillRef idx="1">
+            <a:schemeClr val="accent1"/>
+          </a:fillRef>
+          <a:effectRef idx="0">
+            <a:schemeClr val="accent1"/>
+          </a:effectRef>
+          <a:fontRef idx="minor">
+            <a:schemeClr val="lt1"/>
+          </a:fontRef>
+        </p:style>
+        <p:txBody>
+          <a:bodyPr rtlCol="1" anchor="ctr"/>
+          <a:lstStyle/>
+          <a:p>
+            <a:pPr algn="ctr"/>
+            <a:endParaRPr lang="he-IL"/>
+          </a:p>
+        </p:txBody>
+      </p:sp>
     </p:spTree>
     <p:extLst>
       <p:ext uri="{BB962C8B-B14F-4D97-AF65-F5344CB8AC3E}">
-        <p14:creationId xmlns:p14="http://schemas.microsoft.com/office/powerpoint/2010/main" val="2746533724"/>
+        <p14:creationId xmlns:p14="http://schemas.microsoft.com/office/powerpoint/2010/main" val="3320692697"/>
       </p:ext>
     </p:extLst>
   </p:cSld>
@@ -7222,7 +7974,7 @@
     <mc:Choice Requires="p14">
       <p:transition spd="slow" p14:dur="2000"/>
     </mc:Choice>
-    <mc:Fallback xmlns:p15="http://schemas.microsoft.com/office/powerpoint/2012/main" xmlns="">
+    <mc:Fallback xmlns="" xmlns:p15="http://schemas.microsoft.com/office/powerpoint/2012/main">
       <p:transition spd="slow"/>
     </mc:Fallback>
   </mc:AlternateContent>
@@ -7248,14 +8000,14 @@
       </p:grpSpPr>
       <p:sp>
         <p:nvSpPr>
-          <p:cNvPr id="100" name="CustomShape 1"/>
+          <p:cNvPr id="95" name="CustomShape 1"/>
           <p:cNvSpPr/>
           <p:nvPr/>
         </p:nvSpPr>
         <p:spPr>
           <a:xfrm>
-            <a:off x="692640" y="301680"/>
-            <a:ext cx="8692200" cy="1094400"/>
+            <a:off x="288033" y="380553"/>
+            <a:ext cx="9504807" cy="1094400"/>
           </a:xfrm>
           <a:prstGeom prst="rect">
             <a:avLst/>
@@ -7283,37 +8035,57 @@
           </a:bodyPr>
           <a:lstStyle/>
           <a:p>
-            <a:pPr>
+            <a:pPr algn="l" rtl="0">
               <a:lnSpc>
                 <a:spcPct val="90000"/>
               </a:lnSpc>
             </a:pPr>
             <a:r>
-              <a:rPr lang="en" sz="4400" b="0" strike="noStrike" spc="-1">
+              <a:rPr lang="en" sz="4000" spc="-1" dirty="0" smtClean="0">
                 <a:solidFill>
                   <a:srgbClr val="000000"/>
                 </a:solidFill>
                 <a:latin typeface="Cambria"/>
                 <a:ea typeface="Cambria"/>
               </a:rPr>
-              <a:t>Main Challenges and Difficulties</a:t>
-            </a:r>
-            <a:endParaRPr lang="en" sz="4400" b="0" strike="noStrike" spc="-1">
-              <a:latin typeface="Arial"/>
-            </a:endParaRPr>
-          </a:p>
-        </p:txBody>
-      </p:sp>
-      <p:sp>
-        <p:nvSpPr>
-          <p:cNvPr id="101" name="CustomShape 2"/>
+              <a:t>Regression </a:t>
+            </a:r>
+            <a:r>
+              <a:rPr lang="en" sz="4000" b="0" strike="noStrike" spc="-1" dirty="0" smtClean="0">
+                <a:solidFill>
+                  <a:srgbClr val="000000"/>
+                </a:solidFill>
+                <a:latin typeface="Cambria"/>
+                <a:ea typeface="Cambria"/>
+              </a:rPr>
+              <a:t>Features </a:t>
+            </a:r>
+            <a:r>
+              <a:rPr lang="en" sz="4000" b="0" strike="noStrike" spc="-1" dirty="0">
+                <a:solidFill>
+                  <a:srgbClr val="000000"/>
+                </a:solidFill>
+                <a:latin typeface="Cambria"/>
+                <a:ea typeface="Cambria"/>
+              </a:rPr>
+              <a:t>and Examples</a:t>
+            </a:r>
+            <a:endParaRPr lang="en" sz="4000" b="0" strike="noStrike" spc="-1" dirty="0">
+              <a:latin typeface="Arial"/>
+            </a:endParaRPr>
+          </a:p>
+        </p:txBody>
+      </p:sp>
+      <p:sp>
+        <p:nvSpPr>
+          <p:cNvPr id="96" name="CustomShape 2"/>
           <p:cNvSpPr/>
           <p:nvPr/>
         </p:nvSpPr>
         <p:spPr>
           <a:xfrm>
             <a:off x="692640" y="1509120"/>
-            <a:ext cx="8692200" cy="3595680"/>
+            <a:ext cx="8692200" cy="1326155"/>
           </a:xfrm>
           <a:prstGeom prst="rect">
             <a:avLst/>
@@ -7341,31 +8113,30 @@
           </a:bodyPr>
           <a:lstStyle/>
           <a:p>
-            <a:pPr marL="228600" indent="-226800">
+            <a:pPr algn="l" rtl="0">
               <a:lnSpc>
                 <a:spcPct val="90000"/>
               </a:lnSpc>
               <a:spcBef>
                 <a:spcPts val="1001"/>
               </a:spcBef>
-              <a:buClr>
-                <a:srgbClr val="000000"/>
-              </a:buClr>
-              <a:buFont typeface="Arial"/>
-              <a:buChar char="•"/>
-            </a:pPr>
-            <a:r>
-              <a:rPr lang="en" sz="2800" b="0" strike="noStrike" spc="-1">
+            </a:pPr>
+            <a:r>
+              <a:rPr lang="en-US" sz="2800" spc="-1" dirty="0" smtClean="0">
                 <a:solidFill>
                   <a:srgbClr val="000000"/>
                 </a:solidFill>
                 <a:latin typeface="Candara"/>
                 <a:ea typeface="DejaVu Sans"/>
               </a:rPr>
-              <a:t>Parsing the log file turned out to be a hassle. Finally we found a pip-installable library that…</a:t>
-            </a:r>
-            <a:endParaRPr lang="en" sz="2800" b="0" strike="noStrike" spc="-1">
-              <a:latin typeface="Arial"/>
+              <a:t>.</a:t>
+            </a:r>
+            <a:endParaRPr lang="en-US" sz="2800" spc="-1" dirty="0">
+              <a:solidFill>
+                <a:srgbClr val="000000"/>
+              </a:solidFill>
+              <a:latin typeface="Candara"/>
+              <a:ea typeface="DejaVu Sans"/>
             </a:endParaRPr>
           </a:p>
           <a:p>
@@ -7377,7 +8148,7 @@
                 <a:spcPts val="1001"/>
               </a:spcBef>
             </a:pPr>
-            <a:endParaRPr lang="en" sz="2800" b="0" strike="noStrike" spc="-1">
+            <a:endParaRPr lang="en" sz="2800" b="0" strike="noStrike" spc="-1" dirty="0">
               <a:latin typeface="Arial"/>
             </a:endParaRPr>
           </a:p>
@@ -7390,13 +8161,70 @@
                 <a:spcPts val="1001"/>
               </a:spcBef>
             </a:pPr>
-            <a:endParaRPr lang="en" sz="2800" b="0" strike="noStrike" spc="-1">
+            <a:endParaRPr lang="en" sz="2800" b="0" strike="noStrike" spc="-1" dirty="0">
+              <a:latin typeface="Arial"/>
+            </a:endParaRPr>
+          </a:p>
+          <a:p>
+            <a:pPr>
+              <a:lnSpc>
+                <a:spcPct val="90000"/>
+              </a:lnSpc>
+              <a:spcBef>
+                <a:spcPts val="1001"/>
+              </a:spcBef>
+            </a:pPr>
+            <a:endParaRPr lang="en" sz="2800" b="0" strike="noStrike" spc="-1" dirty="0">
+              <a:latin typeface="Arial"/>
+            </a:endParaRPr>
+          </a:p>
+          <a:p>
+            <a:pPr>
+              <a:lnSpc>
+                <a:spcPct val="90000"/>
+              </a:lnSpc>
+              <a:spcBef>
+                <a:spcPts val="1001"/>
+              </a:spcBef>
+            </a:pPr>
+            <a:endParaRPr lang="en" sz="2800" b="0" strike="noStrike" spc="-1" dirty="0">
+              <a:latin typeface="Arial"/>
+            </a:endParaRPr>
+          </a:p>
+          <a:p>
+            <a:pPr>
+              <a:lnSpc>
+                <a:spcPct val="90000"/>
+              </a:lnSpc>
+              <a:spcBef>
+                <a:spcPts val="1001"/>
+              </a:spcBef>
+            </a:pPr>
+            <a:endParaRPr lang="en" sz="2800" b="0" strike="noStrike" spc="-1" dirty="0">
+              <a:latin typeface="Arial"/>
+            </a:endParaRPr>
+          </a:p>
+          <a:p>
+            <a:pPr>
+              <a:lnSpc>
+                <a:spcPct val="90000"/>
+              </a:lnSpc>
+              <a:spcBef>
+                <a:spcPts val="1001"/>
+              </a:spcBef>
+            </a:pPr>
+            <a:endParaRPr lang="en" sz="2800" b="0" strike="noStrike" spc="-1" dirty="0">
               <a:latin typeface="Arial"/>
             </a:endParaRPr>
           </a:p>
         </p:txBody>
       </p:sp>
     </p:spTree>
+    <p:extLst>
+      <p:ext uri="{BB962C8B-B14F-4D97-AF65-F5344CB8AC3E}">
+        <p14:creationId xmlns:p14="http://schemas.microsoft.com/office/powerpoint/2010/main" val="2746533724"/>
+      </p:ext>
+    </p:extLst>
   </p:cSld>
   <p:clrMapOvr>
     <a:masterClrMapping/>
@@ -7405,7 +8233,7 @@
     <mc:Choice Requires="p14">
       <p:transition spd="slow" p14:dur="2000"/>
     </mc:Choice>
-    <mc:Fallback xmlns:p15="http://schemas.microsoft.com/office/powerpoint/2012/main" xmlns="">
+    <mc:Fallback xmlns="" xmlns:p15="http://schemas.microsoft.com/office/powerpoint/2012/main">
       <p:transition spd="slow"/>
     </mc:Fallback>
   </mc:AlternateContent>
